--- a/docs/design/2年リアルタイムゲーム企画書.pptx
+++ b/docs/design/2年リアルタイムゲーム企画書.pptx
@@ -6,8 +6,9 @@
   </p:sldMasterIdLst>
   <p:sldIdLst>
     <p:sldId id="256" r:id="rId2"/>
-    <p:sldId id="257" r:id="rId3"/>
-    <p:sldId id="258" r:id="rId4"/>
+    <p:sldId id="260" r:id="rId3"/>
+    <p:sldId id="259" r:id="rId4"/>
+    <p:sldId id="258" r:id="rId5"/>
   </p:sldIdLst>
   <p:sldSz cx="12192000" cy="6858000"/>
   <p:notesSz cx="6858000" cy="9144000"/>
@@ -3686,7 +3687,7 @@
           <p:cNvPr id="2" name="テキスト ボックス 1">
             <a:extLst>
               <a:ext uri="{FF2B5EF4-FFF2-40B4-BE49-F238E27FC236}">
-                <a16:creationId xmlns:a16="http://schemas.microsoft.com/office/drawing/2014/main" id="{5BF5914E-5397-9F63-3867-8C2417C112FF}"/>
+                <a16:creationId xmlns:a16="http://schemas.microsoft.com/office/drawing/2014/main" id="{F3BE1652-A377-F389-6CBB-F71DE24EEF16}"/>
               </a:ext>
             </a:extLst>
           </p:cNvPr>
@@ -3695,8 +3696,8 @@
         </p:nvSpPr>
         <p:spPr>
           <a:xfrm>
-            <a:off x="1095883" y="1158704"/>
-            <a:ext cx="2690160" cy="584775"/>
+            <a:off x="6282137" y="502081"/>
+            <a:ext cx="1620957" cy="523220"/>
           </a:xfrm>
           <a:prstGeom prst="rect">
             <a:avLst/>
@@ -3710,16 +3711,8 @@
           <a:lstStyle/>
           <a:p>
             <a:r>
-              <a:rPr kumimoji="1" lang="ja-JP" altLang="en-US" sz="3200" dirty="0"/>
-              <a:t>・</a:t>
-            </a:r>
-            <a:r>
-              <a:rPr kumimoji="1" lang="en-US" altLang="ja-JP" sz="3200" dirty="0"/>
-              <a:t>1vs4</a:t>
-            </a:r>
-            <a:r>
-              <a:rPr kumimoji="1" lang="ja-JP" altLang="en-US" sz="3200" dirty="0"/>
-              <a:t>で遊ぶ</a:t>
+              <a:rPr kumimoji="1" lang="ja-JP" altLang="en-US" sz="2800" b="1" dirty="0"/>
+              <a:t>ジャンル</a:t>
             </a:r>
           </a:p>
         </p:txBody>
@@ -3729,7 +3722,7 @@
           <p:cNvPr id="3" name="テキスト ボックス 2">
             <a:extLst>
               <a:ext uri="{FF2B5EF4-FFF2-40B4-BE49-F238E27FC236}">
-                <a16:creationId xmlns:a16="http://schemas.microsoft.com/office/drawing/2014/main" id="{AFD2ED14-F6BD-E427-A25B-72C0D35AD30F}"/>
+                <a16:creationId xmlns:a16="http://schemas.microsoft.com/office/drawing/2014/main" id="{1ADDE9A4-0133-2DAB-7D82-433DD1CFC7F3}"/>
               </a:ext>
             </a:extLst>
           </p:cNvPr>
@@ -3738,8 +3731,8 @@
         </p:nvSpPr>
         <p:spPr>
           <a:xfrm>
-            <a:off x="1095883" y="2844225"/>
-            <a:ext cx="5519460" cy="584775"/>
+            <a:off x="6770748" y="1864228"/>
+            <a:ext cx="2031325" cy="461665"/>
           </a:xfrm>
           <a:prstGeom prst="rect">
             <a:avLst/>
@@ -3753,18 +3746,18 @@
           <a:lstStyle/>
           <a:p>
             <a:r>
-              <a:rPr kumimoji="1" lang="ja-JP" altLang="en-US" sz="3200" dirty="0"/>
-              <a:t>・第五人格のようなゲーム性</a:t>
-            </a:r>
-          </a:p>
-        </p:txBody>
-      </p:sp>
-      <p:sp>
-        <p:nvSpPr>
-          <p:cNvPr id="5" name="テキスト ボックス 4">
-            <a:extLst>
-              <a:ext uri="{FF2B5EF4-FFF2-40B4-BE49-F238E27FC236}">
-                <a16:creationId xmlns:a16="http://schemas.microsoft.com/office/drawing/2014/main" id="{6E5FA1F0-B406-5686-4495-B1D99F4BC5D1}"/>
+              <a:rPr kumimoji="1" lang="ja-JP" altLang="en-US" sz="2400" dirty="0"/>
+              <a:t>・アクション</a:t>
+            </a:r>
+          </a:p>
+        </p:txBody>
+      </p:sp>
+      <p:sp>
+        <p:nvSpPr>
+          <p:cNvPr id="4" name="テキスト ボックス 3">
+            <a:extLst>
+              <a:ext uri="{FF2B5EF4-FFF2-40B4-BE49-F238E27FC236}">
+                <a16:creationId xmlns:a16="http://schemas.microsoft.com/office/drawing/2014/main" id="{D8B72EEA-209F-229C-CFA7-63A85B680231}"/>
               </a:ext>
             </a:extLst>
           </p:cNvPr>
@@ -3773,8 +3766,8 @@
         </p:nvSpPr>
         <p:spPr>
           <a:xfrm>
-            <a:off x="1095883" y="4319584"/>
-            <a:ext cx="9161482" cy="954107"/>
+            <a:off x="6773314" y="2766108"/>
+            <a:ext cx="1107996" cy="461665"/>
           </a:xfrm>
           <a:prstGeom prst="rect">
             <a:avLst/>
@@ -3788,28 +3781,157 @@
           <a:lstStyle/>
           <a:p>
             <a:r>
-              <a:rPr kumimoji="1" lang="ja-JP" altLang="en-US" sz="2800" dirty="0"/>
-              <a:t>・</a:t>
-            </a:r>
-            <a:r>
-              <a:rPr lang="ja-JP" altLang="en-US" sz="2800" dirty="0"/>
-              <a:t>ただオリジナル要素を強くしてゲーム性はそのままに</a:t>
-            </a:r>
-            <a:endParaRPr lang="en-US" altLang="ja-JP" sz="2800" dirty="0"/>
-          </a:p>
-          <a:p>
-            <a:r>
-              <a:rPr lang="ja-JP" altLang="en-US" sz="2800" dirty="0"/>
-              <a:t>　新しいものを作る</a:t>
-            </a:r>
-            <a:endParaRPr kumimoji="1" lang="ja-JP" altLang="en-US" sz="2800" dirty="0"/>
+              <a:rPr kumimoji="1" lang="ja-JP" altLang="en-US" sz="2400" dirty="0"/>
+              <a:t>・協力</a:t>
+            </a:r>
+          </a:p>
+        </p:txBody>
+      </p:sp>
+      <p:sp>
+        <p:nvSpPr>
+          <p:cNvPr id="5" name="テキスト ボックス 4">
+            <a:extLst>
+              <a:ext uri="{FF2B5EF4-FFF2-40B4-BE49-F238E27FC236}">
+                <a16:creationId xmlns:a16="http://schemas.microsoft.com/office/drawing/2014/main" id="{3EA5C2E2-184E-9745-81DD-F64C63587F7A}"/>
+              </a:ext>
+            </a:extLst>
+          </p:cNvPr>
+          <p:cNvSpPr txBox="1"/>
+          <p:nvPr/>
+        </p:nvSpPr>
+        <p:spPr>
+          <a:xfrm>
+            <a:off x="6826590" y="3672795"/>
+            <a:ext cx="1107996" cy="461665"/>
+          </a:xfrm>
+          <a:prstGeom prst="rect">
+            <a:avLst/>
+          </a:prstGeom>
+          <a:noFill/>
+        </p:spPr>
+        <p:txBody>
+          <a:bodyPr wrap="none" rtlCol="0">
+            <a:spAutoFit/>
+          </a:bodyPr>
+          <a:lstStyle/>
+          <a:p>
+            <a:r>
+              <a:rPr kumimoji="1" lang="ja-JP" altLang="en-US" sz="2400" dirty="0"/>
+              <a:t>・対戦</a:t>
+            </a:r>
+          </a:p>
+        </p:txBody>
+      </p:sp>
+      <p:sp>
+        <p:nvSpPr>
+          <p:cNvPr id="6" name="テキスト ボックス 5">
+            <a:extLst>
+              <a:ext uri="{FF2B5EF4-FFF2-40B4-BE49-F238E27FC236}">
+                <a16:creationId xmlns:a16="http://schemas.microsoft.com/office/drawing/2014/main" id="{B6496F10-E6B0-B6F0-6452-7967CE2EBE7F}"/>
+              </a:ext>
+            </a:extLst>
+          </p:cNvPr>
+          <p:cNvSpPr txBox="1"/>
+          <p:nvPr/>
+        </p:nvSpPr>
+        <p:spPr>
+          <a:xfrm>
+            <a:off x="791083" y="502081"/>
+            <a:ext cx="1107996" cy="461665"/>
+          </a:xfrm>
+          <a:prstGeom prst="rect">
+            <a:avLst/>
+          </a:prstGeom>
+          <a:noFill/>
+        </p:spPr>
+        <p:txBody>
+          <a:bodyPr wrap="none" rtlCol="0">
+            <a:spAutoFit/>
+          </a:bodyPr>
+          <a:lstStyle/>
+          <a:p>
+            <a:r>
+              <a:rPr kumimoji="1" lang="ja-JP" altLang="en-US" sz="2400" b="1" dirty="0"/>
+              <a:t>テーマ</a:t>
+            </a:r>
+          </a:p>
+        </p:txBody>
+      </p:sp>
+      <p:sp>
+        <p:nvSpPr>
+          <p:cNvPr id="7" name="テキスト ボックス 6">
+            <a:extLst>
+              <a:ext uri="{FF2B5EF4-FFF2-40B4-BE49-F238E27FC236}">
+                <a16:creationId xmlns:a16="http://schemas.microsoft.com/office/drawing/2014/main" id="{5718EE59-5896-04CB-52A5-39E2A9CB4FA4}"/>
+              </a:ext>
+            </a:extLst>
+          </p:cNvPr>
+          <p:cNvSpPr txBox="1"/>
+          <p:nvPr/>
+        </p:nvSpPr>
+        <p:spPr>
+          <a:xfrm>
+            <a:off x="1088600" y="2325893"/>
+            <a:ext cx="1620957" cy="523220"/>
+          </a:xfrm>
+          <a:prstGeom prst="rect">
+            <a:avLst/>
+          </a:prstGeom>
+          <a:noFill/>
+        </p:spPr>
+        <p:txBody>
+          <a:bodyPr wrap="none" rtlCol="0">
+            <a:spAutoFit/>
+          </a:bodyPr>
+          <a:lstStyle/>
+          <a:p>
+            <a:r>
+              <a:rPr lang="ja-JP" altLang="en-US" sz="2800" b="1" dirty="0"/>
+              <a:t>鬼ごっこ</a:t>
+            </a:r>
+            <a:endParaRPr kumimoji="1" lang="ja-JP" altLang="en-US" sz="2800" b="1" dirty="0"/>
+          </a:p>
+        </p:txBody>
+      </p:sp>
+      <p:sp>
+        <p:nvSpPr>
+          <p:cNvPr id="8" name="テキスト ボックス 7">
+            <a:extLst>
+              <a:ext uri="{FF2B5EF4-FFF2-40B4-BE49-F238E27FC236}">
+                <a16:creationId xmlns:a16="http://schemas.microsoft.com/office/drawing/2014/main" id="{0CD52F0D-9A9C-44F7-5230-90FDDDCF80C2}"/>
+              </a:ext>
+            </a:extLst>
+          </p:cNvPr>
+          <p:cNvSpPr txBox="1"/>
+          <p:nvPr/>
+        </p:nvSpPr>
+        <p:spPr>
+          <a:xfrm>
+            <a:off x="1193606" y="5388678"/>
+            <a:ext cx="1723549" cy="461665"/>
+          </a:xfrm>
+          <a:prstGeom prst="rect">
+            <a:avLst/>
+          </a:prstGeom>
+          <a:noFill/>
+        </p:spPr>
+        <p:txBody>
+          <a:bodyPr wrap="none" rtlCol="0">
+            <a:spAutoFit/>
+          </a:bodyPr>
+          <a:lstStyle/>
+          <a:p>
+            <a:r>
+              <a:rPr kumimoji="1" lang="ja-JP" altLang="en-US" sz="2400" dirty="0"/>
+              <a:t>全年齢対象</a:t>
+            </a:r>
           </a:p>
         </p:txBody>
       </p:sp>
     </p:spTree>
     <p:extLst>
       <p:ext uri="{BB962C8B-B14F-4D97-AF65-F5344CB8AC3E}">
-        <p14:creationId xmlns:p14="http://schemas.microsoft.com/office/powerpoint/2010/main" val="214312016"/>
+        <p14:creationId xmlns:p14="http://schemas.microsoft.com/office/powerpoint/2010/main" val="695650686"/>
       </p:ext>
     </p:extLst>
   </p:cSld>
@@ -3820,6 +3942,161 @@
 </file>
 
 <file path=ppt/slides/slide3.xml><?xml version="1.0" encoding="utf-8"?>
+<p:sld xmlns:a="http://schemas.openxmlformats.org/drawingml/2006/main" xmlns:r="http://schemas.openxmlformats.org/officeDocument/2006/relationships" xmlns:p="http://schemas.openxmlformats.org/presentationml/2006/main">
+  <p:cSld>
+    <p:spTree>
+      <p:nvGrpSpPr>
+        <p:cNvPr id="1" name=""/>
+        <p:cNvGrpSpPr/>
+        <p:nvPr/>
+      </p:nvGrpSpPr>
+      <p:grpSpPr>
+        <a:xfrm>
+          <a:off x="0" y="0"/>
+          <a:ext cx="0" cy="0"/>
+          <a:chOff x="0" y="0"/>
+          <a:chExt cx="0" cy="0"/>
+        </a:xfrm>
+      </p:grpSpPr>
+      <p:sp>
+        <p:nvSpPr>
+          <p:cNvPr id="4" name="テキスト ボックス 3">
+            <a:extLst>
+              <a:ext uri="{FF2B5EF4-FFF2-40B4-BE49-F238E27FC236}">
+                <a16:creationId xmlns:a16="http://schemas.microsoft.com/office/drawing/2014/main" id="{7866544A-A0BB-5F8E-7C68-11B6CD73B40C}"/>
+              </a:ext>
+            </a:extLst>
+          </p:cNvPr>
+          <p:cNvSpPr txBox="1"/>
+          <p:nvPr/>
+        </p:nvSpPr>
+        <p:spPr>
+          <a:xfrm>
+            <a:off x="1701308" y="1411736"/>
+            <a:ext cx="2690160" cy="584775"/>
+          </a:xfrm>
+          <a:prstGeom prst="rect">
+            <a:avLst/>
+          </a:prstGeom>
+          <a:noFill/>
+        </p:spPr>
+        <p:txBody>
+          <a:bodyPr wrap="none" rtlCol="0">
+            <a:spAutoFit/>
+          </a:bodyPr>
+          <a:lstStyle/>
+          <a:p>
+            <a:r>
+              <a:rPr kumimoji="1" lang="ja-JP" altLang="en-US" sz="3200" dirty="0"/>
+              <a:t>・</a:t>
+            </a:r>
+            <a:r>
+              <a:rPr kumimoji="1" lang="en-US" altLang="ja-JP" sz="3200" dirty="0"/>
+              <a:t>1vs4</a:t>
+            </a:r>
+            <a:r>
+              <a:rPr kumimoji="1" lang="ja-JP" altLang="en-US" sz="3200" dirty="0"/>
+              <a:t>で遊ぶ</a:t>
+            </a:r>
+          </a:p>
+        </p:txBody>
+      </p:sp>
+      <p:sp>
+        <p:nvSpPr>
+          <p:cNvPr id="5" name="テキスト ボックス 4">
+            <a:extLst>
+              <a:ext uri="{FF2B5EF4-FFF2-40B4-BE49-F238E27FC236}">
+                <a16:creationId xmlns:a16="http://schemas.microsoft.com/office/drawing/2014/main" id="{82611DA8-D2A5-C86F-85B0-1088D88531F4}"/>
+              </a:ext>
+            </a:extLst>
+          </p:cNvPr>
+          <p:cNvSpPr txBox="1"/>
+          <p:nvPr/>
+        </p:nvSpPr>
+        <p:spPr>
+          <a:xfrm>
+            <a:off x="1701308" y="2865165"/>
+            <a:ext cx="5519460" cy="584775"/>
+          </a:xfrm>
+          <a:prstGeom prst="rect">
+            <a:avLst/>
+          </a:prstGeom>
+          <a:noFill/>
+        </p:spPr>
+        <p:txBody>
+          <a:bodyPr wrap="none" rtlCol="0">
+            <a:spAutoFit/>
+          </a:bodyPr>
+          <a:lstStyle/>
+          <a:p>
+            <a:r>
+              <a:rPr kumimoji="1" lang="ja-JP" altLang="en-US" sz="3200" dirty="0"/>
+              <a:t>・第五人格のようなゲーム性</a:t>
+            </a:r>
+          </a:p>
+        </p:txBody>
+      </p:sp>
+      <p:sp>
+        <p:nvSpPr>
+          <p:cNvPr id="6" name="テキスト ボックス 5">
+            <a:extLst>
+              <a:ext uri="{FF2B5EF4-FFF2-40B4-BE49-F238E27FC236}">
+                <a16:creationId xmlns:a16="http://schemas.microsoft.com/office/drawing/2014/main" id="{E8401E7D-1638-9A79-C5B5-0FFBBB1BD241}"/>
+              </a:ext>
+            </a:extLst>
+          </p:cNvPr>
+          <p:cNvSpPr txBox="1"/>
+          <p:nvPr/>
+        </p:nvSpPr>
+        <p:spPr>
+          <a:xfrm>
+            <a:off x="1701308" y="4145080"/>
+            <a:ext cx="9161482" cy="954107"/>
+          </a:xfrm>
+          <a:prstGeom prst="rect">
+            <a:avLst/>
+          </a:prstGeom>
+          <a:noFill/>
+        </p:spPr>
+        <p:txBody>
+          <a:bodyPr wrap="none" rtlCol="0">
+            <a:spAutoFit/>
+          </a:bodyPr>
+          <a:lstStyle/>
+          <a:p>
+            <a:r>
+              <a:rPr kumimoji="1" lang="ja-JP" altLang="en-US" sz="2800" dirty="0"/>
+              <a:t>・</a:t>
+            </a:r>
+            <a:r>
+              <a:rPr lang="ja-JP" altLang="en-US" sz="2800" dirty="0"/>
+              <a:t>ただオリジナル要素を強くしてゲーム性はそのままに</a:t>
+            </a:r>
+            <a:endParaRPr lang="en-US" altLang="ja-JP" sz="2800" dirty="0"/>
+          </a:p>
+          <a:p>
+            <a:r>
+              <a:rPr lang="ja-JP" altLang="en-US" sz="2800" dirty="0"/>
+              <a:t>　新しいものを作る</a:t>
+            </a:r>
+            <a:endParaRPr kumimoji="1" lang="ja-JP" altLang="en-US" sz="2800" dirty="0"/>
+          </a:p>
+        </p:txBody>
+      </p:sp>
+    </p:spTree>
+    <p:extLst>
+      <p:ext uri="{BB962C8B-B14F-4D97-AF65-F5344CB8AC3E}">
+        <p14:creationId xmlns:p14="http://schemas.microsoft.com/office/powerpoint/2010/main" val="3980495874"/>
+      </p:ext>
+    </p:extLst>
+  </p:cSld>
+  <p:clrMapOvr>
+    <a:masterClrMapping/>
+  </p:clrMapOvr>
+</p:sld>
+</file>
+
+<file path=ppt/slides/slide4.xml><?xml version="1.0" encoding="utf-8"?>
 <p:sld xmlns:a="http://schemas.openxmlformats.org/drawingml/2006/main" xmlns:r="http://schemas.openxmlformats.org/officeDocument/2006/relationships" xmlns:p="http://schemas.openxmlformats.org/presentationml/2006/main">
   <p:cSld>
     <p:spTree>
